--- a/3D model/version logs and observations/Initial Design Logs Microfluidic multiplex device.pptx
+++ b/3D model/version logs and observations/Initial Design Logs Microfluidic multiplex device.pptx
@@ -11,6 +11,7 @@
     <p:sldId id="259" r:id="rId5"/>
     <p:sldId id="257" r:id="rId6"/>
     <p:sldId id="260" r:id="rId7"/>
+    <p:sldId id="262" r:id="rId8"/>
   </p:sldIdLst>
   <p:sldSz cx="12192000" cy="6858000"/>
   <p:notesSz cx="6858000" cy="9144000"/>
@@ -109,6 +110,11 @@
       </a:defRPr>
     </a:lvl9pPr>
   </p:defaultTextStyle>
+  <p:extLst>
+    <p:ext uri="{EFAFB233-063F-42B5-8137-9DF3F51BA10A}">
+      <p15:sldGuideLst xmlns:p15="http://schemas.microsoft.com/office/powerpoint/2012/main"/>
+    </p:ext>
+  </p:extLst>
 </p:presentation>
 </file>
 
@@ -259,7 +265,7 @@
           <a:p>
             <a:fld id="{5F44935C-CCDE-4231-984C-D1D5A6B8DB52}" type="datetimeFigureOut">
               <a:rPr lang="en-US" smtClean="0"/>
-              <a:t>9/23/2022</a:t>
+              <a:t>9/28/2022</a:t>
             </a:fld>
             <a:endParaRPr lang="en-US"/>
           </a:p>
@@ -457,7 +463,7 @@
           <a:p>
             <a:fld id="{5F44935C-CCDE-4231-984C-D1D5A6B8DB52}" type="datetimeFigureOut">
               <a:rPr lang="en-US" smtClean="0"/>
-              <a:t>9/23/2022</a:t>
+              <a:t>9/28/2022</a:t>
             </a:fld>
             <a:endParaRPr lang="en-US"/>
           </a:p>
@@ -665,7 +671,7 @@
           <a:p>
             <a:fld id="{5F44935C-CCDE-4231-984C-D1D5A6B8DB52}" type="datetimeFigureOut">
               <a:rPr lang="en-US" smtClean="0"/>
-              <a:t>9/23/2022</a:t>
+              <a:t>9/28/2022</a:t>
             </a:fld>
             <a:endParaRPr lang="en-US"/>
           </a:p>
@@ -863,7 +869,7 @@
           <a:p>
             <a:fld id="{5F44935C-CCDE-4231-984C-D1D5A6B8DB52}" type="datetimeFigureOut">
               <a:rPr lang="en-US" smtClean="0"/>
-              <a:t>9/23/2022</a:t>
+              <a:t>9/28/2022</a:t>
             </a:fld>
             <a:endParaRPr lang="en-US"/>
           </a:p>
@@ -1138,7 +1144,7 @@
           <a:p>
             <a:fld id="{5F44935C-CCDE-4231-984C-D1D5A6B8DB52}" type="datetimeFigureOut">
               <a:rPr lang="en-US" smtClean="0"/>
-              <a:t>9/23/2022</a:t>
+              <a:t>9/28/2022</a:t>
             </a:fld>
             <a:endParaRPr lang="en-US"/>
           </a:p>
@@ -1403,7 +1409,7 @@
           <a:p>
             <a:fld id="{5F44935C-CCDE-4231-984C-D1D5A6B8DB52}" type="datetimeFigureOut">
               <a:rPr lang="en-US" smtClean="0"/>
-              <a:t>9/23/2022</a:t>
+              <a:t>9/28/2022</a:t>
             </a:fld>
             <a:endParaRPr lang="en-US"/>
           </a:p>
@@ -1815,7 +1821,7 @@
           <a:p>
             <a:fld id="{5F44935C-CCDE-4231-984C-D1D5A6B8DB52}" type="datetimeFigureOut">
               <a:rPr lang="en-US" smtClean="0"/>
-              <a:t>9/23/2022</a:t>
+              <a:t>9/28/2022</a:t>
             </a:fld>
             <a:endParaRPr lang="en-US"/>
           </a:p>
@@ -1956,7 +1962,7 @@
           <a:p>
             <a:fld id="{5F44935C-CCDE-4231-984C-D1D5A6B8DB52}" type="datetimeFigureOut">
               <a:rPr lang="en-US" smtClean="0"/>
-              <a:t>9/23/2022</a:t>
+              <a:t>9/28/2022</a:t>
             </a:fld>
             <a:endParaRPr lang="en-US"/>
           </a:p>
@@ -2069,7 +2075,7 @@
           <a:p>
             <a:fld id="{5F44935C-CCDE-4231-984C-D1D5A6B8DB52}" type="datetimeFigureOut">
               <a:rPr lang="en-US" smtClean="0"/>
-              <a:t>9/23/2022</a:t>
+              <a:t>9/28/2022</a:t>
             </a:fld>
             <a:endParaRPr lang="en-US"/>
           </a:p>
@@ -2380,7 +2386,7 @@
           <a:p>
             <a:fld id="{5F44935C-CCDE-4231-984C-D1D5A6B8DB52}" type="datetimeFigureOut">
               <a:rPr lang="en-US" smtClean="0"/>
-              <a:t>9/23/2022</a:t>
+              <a:t>9/28/2022</a:t>
             </a:fld>
             <a:endParaRPr lang="en-US"/>
           </a:p>
@@ -2668,7 +2674,7 @@
           <a:p>
             <a:fld id="{5F44935C-CCDE-4231-984C-D1D5A6B8DB52}" type="datetimeFigureOut">
               <a:rPr lang="en-US" smtClean="0"/>
-              <a:t>9/23/2022</a:t>
+              <a:t>9/28/2022</a:t>
             </a:fld>
             <a:endParaRPr lang="en-US"/>
           </a:p>
@@ -2909,7 +2915,7 @@
           <a:p>
             <a:fld id="{5F44935C-CCDE-4231-984C-D1D5A6B8DB52}" type="datetimeFigureOut">
               <a:rPr lang="en-US" smtClean="0"/>
-              <a:t>9/23/2022</a:t>
+              <a:t>9/28/2022</a:t>
             </a:fld>
             <a:endParaRPr lang="en-US"/>
           </a:p>
@@ -6340,6 +6346,110 @@
 </p:sld>
 </file>
 
+<file path=ppt/slides/slide7.xml><?xml version="1.0" encoding="utf-8"?>
+<p:sld xmlns:a="http://schemas.openxmlformats.org/drawingml/2006/main" xmlns:r="http://schemas.openxmlformats.org/officeDocument/2006/relationships" xmlns:p="http://schemas.openxmlformats.org/presentationml/2006/main">
+  <p:cSld>
+    <p:spTree>
+      <p:nvGrpSpPr>
+        <p:cNvPr id="1" name=""/>
+        <p:cNvGrpSpPr/>
+        <p:nvPr/>
+      </p:nvGrpSpPr>
+      <p:grpSpPr>
+        <a:xfrm>
+          <a:off x="0" y="0"/>
+          <a:ext cx="0" cy="0"/>
+          <a:chOff x="0" y="0"/>
+          <a:chExt cx="0" cy="0"/>
+        </a:xfrm>
+      </p:grpSpPr>
+      <p:sp>
+        <p:nvSpPr>
+          <p:cNvPr id="2" name="Title 1">
+            <a:extLst>
+              <a:ext uri="{FF2B5EF4-FFF2-40B4-BE49-F238E27FC236}">
+                <a16:creationId xmlns:a16="http://schemas.microsoft.com/office/drawing/2014/main" id="{1FECF180-B414-40F8-A75B-044E1402180E}"/>
+              </a:ext>
+            </a:extLst>
+          </p:cNvPr>
+          <p:cNvSpPr>
+            <a:spLocks noGrp="1"/>
+          </p:cNvSpPr>
+          <p:nvPr>
+            <p:ph type="title"/>
+          </p:nvPr>
+        </p:nvSpPr>
+        <p:spPr>
+          <a:xfrm>
+            <a:off x="838200" y="261608"/>
+            <a:ext cx="10515600" cy="557901"/>
+          </a:xfrm>
+        </p:spPr>
+        <p:txBody>
+          <a:bodyPr>
+            <a:normAutofit fontScale="90000"/>
+          </a:bodyPr>
+          <a:lstStyle/>
+          <a:p>
+            <a:r>
+              <a:rPr lang="en-US" dirty="0"/>
+              <a:t>6 design Choices for Device</a:t>
+            </a:r>
+          </a:p>
+        </p:txBody>
+      </p:sp>
+      <p:sp>
+        <p:nvSpPr>
+          <p:cNvPr id="3" name="Content Placeholder 2">
+            <a:extLst>
+              <a:ext uri="{FF2B5EF4-FFF2-40B4-BE49-F238E27FC236}">
+                <a16:creationId xmlns:a16="http://schemas.microsoft.com/office/drawing/2014/main" id="{F5B7C66F-7BE9-F041-260D-7DF5EB7E2EB7}"/>
+              </a:ext>
+            </a:extLst>
+          </p:cNvPr>
+          <p:cNvSpPr>
+            <a:spLocks noGrp="1"/>
+          </p:cNvSpPr>
+          <p:nvPr>
+            <p:ph idx="1"/>
+          </p:nvPr>
+        </p:nvSpPr>
+        <p:spPr>
+          <a:xfrm>
+            <a:off x="838200" y="1190445"/>
+            <a:ext cx="10515600" cy="4986518"/>
+          </a:xfrm>
+        </p:spPr>
+        <p:txBody>
+          <a:bodyPr>
+            <a:normAutofit/>
+          </a:bodyPr>
+          <a:lstStyle/>
+          <a:p>
+            <a:pPr marL="457200" indent="-457200">
+              <a:buFont typeface="+mj-lt"/>
+              <a:buAutoNum type="arabicPeriod"/>
+            </a:pPr>
+            <a:r>
+              <a:rPr lang="en-US" sz="2400" dirty="0"/>
+              <a:t>No filters, 26x15mm window, 4mm walls. Ext dimensions = 55x23</a:t>
+            </a:r>
+          </a:p>
+        </p:txBody>
+      </p:sp>
+    </p:spTree>
+    <p:extLst>
+      <p:ext uri="{BB962C8B-B14F-4D97-AF65-F5344CB8AC3E}">
+        <p14:creationId xmlns:p14="http://schemas.microsoft.com/office/powerpoint/2010/main" val="493883233"/>
+      </p:ext>
+    </p:extLst>
+  </p:cSld>
+  <p:clrMapOvr>
+    <a:masterClrMapping/>
+  </p:clrMapOvr>
+</p:sld>
+</file>
+
 <file path=ppt/theme/theme1.xml><?xml version="1.0" encoding="utf-8"?>
 <a:theme xmlns:a="http://schemas.openxmlformats.org/drawingml/2006/main" name="Office Theme">
   <a:themeElements>

--- a/3D model/version logs and observations/Initial Design Logs Microfluidic multiplex device.pptx
+++ b/3D model/version logs and observations/Initial Design Logs Microfluidic multiplex device.pptx
@@ -265,7 +265,7 @@
           <a:p>
             <a:fld id="{5F44935C-CCDE-4231-984C-D1D5A6B8DB52}" type="datetimeFigureOut">
               <a:rPr lang="en-US" smtClean="0"/>
-              <a:t>9/28/2022</a:t>
+              <a:t>10/11/2022</a:t>
             </a:fld>
             <a:endParaRPr lang="en-US"/>
           </a:p>
@@ -463,7 +463,7 @@
           <a:p>
             <a:fld id="{5F44935C-CCDE-4231-984C-D1D5A6B8DB52}" type="datetimeFigureOut">
               <a:rPr lang="en-US" smtClean="0"/>
-              <a:t>9/28/2022</a:t>
+              <a:t>10/11/2022</a:t>
             </a:fld>
             <a:endParaRPr lang="en-US"/>
           </a:p>
@@ -671,7 +671,7 @@
           <a:p>
             <a:fld id="{5F44935C-CCDE-4231-984C-D1D5A6B8DB52}" type="datetimeFigureOut">
               <a:rPr lang="en-US" smtClean="0"/>
-              <a:t>9/28/2022</a:t>
+              <a:t>10/11/2022</a:t>
             </a:fld>
             <a:endParaRPr lang="en-US"/>
           </a:p>
@@ -869,7 +869,7 @@
           <a:p>
             <a:fld id="{5F44935C-CCDE-4231-984C-D1D5A6B8DB52}" type="datetimeFigureOut">
               <a:rPr lang="en-US" smtClean="0"/>
-              <a:t>9/28/2022</a:t>
+              <a:t>10/11/2022</a:t>
             </a:fld>
             <a:endParaRPr lang="en-US"/>
           </a:p>
@@ -1144,7 +1144,7 @@
           <a:p>
             <a:fld id="{5F44935C-CCDE-4231-984C-D1D5A6B8DB52}" type="datetimeFigureOut">
               <a:rPr lang="en-US" smtClean="0"/>
-              <a:t>9/28/2022</a:t>
+              <a:t>10/11/2022</a:t>
             </a:fld>
             <a:endParaRPr lang="en-US"/>
           </a:p>
@@ -1409,7 +1409,7 @@
           <a:p>
             <a:fld id="{5F44935C-CCDE-4231-984C-D1D5A6B8DB52}" type="datetimeFigureOut">
               <a:rPr lang="en-US" smtClean="0"/>
-              <a:t>9/28/2022</a:t>
+              <a:t>10/11/2022</a:t>
             </a:fld>
             <a:endParaRPr lang="en-US"/>
           </a:p>
@@ -1821,7 +1821,7 @@
           <a:p>
             <a:fld id="{5F44935C-CCDE-4231-984C-D1D5A6B8DB52}" type="datetimeFigureOut">
               <a:rPr lang="en-US" smtClean="0"/>
-              <a:t>9/28/2022</a:t>
+              <a:t>10/11/2022</a:t>
             </a:fld>
             <a:endParaRPr lang="en-US"/>
           </a:p>
@@ -1962,7 +1962,7 @@
           <a:p>
             <a:fld id="{5F44935C-CCDE-4231-984C-D1D5A6B8DB52}" type="datetimeFigureOut">
               <a:rPr lang="en-US" smtClean="0"/>
-              <a:t>9/28/2022</a:t>
+              <a:t>10/11/2022</a:t>
             </a:fld>
             <a:endParaRPr lang="en-US"/>
           </a:p>
@@ -2075,7 +2075,7 @@
           <a:p>
             <a:fld id="{5F44935C-CCDE-4231-984C-D1D5A6B8DB52}" type="datetimeFigureOut">
               <a:rPr lang="en-US" smtClean="0"/>
-              <a:t>9/28/2022</a:t>
+              <a:t>10/11/2022</a:t>
             </a:fld>
             <a:endParaRPr lang="en-US"/>
           </a:p>
@@ -2386,7 +2386,7 @@
           <a:p>
             <a:fld id="{5F44935C-CCDE-4231-984C-D1D5A6B8DB52}" type="datetimeFigureOut">
               <a:rPr lang="en-US" smtClean="0"/>
-              <a:t>9/28/2022</a:t>
+              <a:t>10/11/2022</a:t>
             </a:fld>
             <a:endParaRPr lang="en-US"/>
           </a:p>
@@ -2674,7 +2674,7 @@
           <a:p>
             <a:fld id="{5F44935C-CCDE-4231-984C-D1D5A6B8DB52}" type="datetimeFigureOut">
               <a:rPr lang="en-US" smtClean="0"/>
-              <a:t>9/28/2022</a:t>
+              <a:t>10/11/2022</a:t>
             </a:fld>
             <a:endParaRPr lang="en-US"/>
           </a:p>
@@ -2915,7 +2915,7 @@
           <a:p>
             <a:fld id="{5F44935C-CCDE-4231-984C-D1D5A6B8DB52}" type="datetimeFigureOut">
               <a:rPr lang="en-US" smtClean="0"/>
-              <a:t>9/28/2022</a:t>
+              <a:t>10/11/2022</a:t>
             </a:fld>
             <a:endParaRPr lang="en-US"/>
           </a:p>
@@ -6432,7 +6432,65 @@
             </a:pPr>
             <a:r>
               <a:rPr lang="en-US" sz="2400" dirty="0"/>
-              <a:t>No filters, 26x15mm window, 4mm walls. Ext dimensions = 55x23</a:t>
+              <a:t>No filters, 18x15mm window, 4mm walls. Ext dimensions = 55x23</a:t>
+            </a:r>
+          </a:p>
+          <a:p>
+            <a:pPr marL="457200" indent="-457200">
+              <a:buFont typeface="+mj-lt"/>
+              <a:buAutoNum type="arabicPeriod"/>
+            </a:pPr>
+            <a:r>
+              <a:rPr lang="en-US" sz="2400" dirty="0"/>
+              <a:t>Same as 1, but offset channel path</a:t>
+            </a:r>
+          </a:p>
+          <a:p>
+            <a:pPr marL="457200" indent="-457200">
+              <a:buFont typeface="+mj-lt"/>
+              <a:buAutoNum type="arabicPeriod"/>
+            </a:pPr>
+            <a:r>
+              <a:rPr lang="en-US" sz="2400" dirty="0"/>
+              <a:t>Same as 1, but with 5 row filter system. 0.25mm pillars and final size of 0.25mm gaps</a:t>
+            </a:r>
+          </a:p>
+          <a:p>
+            <a:pPr marL="457200" indent="-457200">
+              <a:buFont typeface="+mj-lt"/>
+              <a:buAutoNum type="arabicPeriod"/>
+            </a:pPr>
+            <a:r>
+              <a:rPr lang="en-US" sz="2400" dirty="0"/>
+              <a:t>Same as 3, but channel is offset in same way as 2</a:t>
+            </a:r>
+          </a:p>
+          <a:p>
+            <a:pPr marL="457200" indent="-457200">
+              <a:buFont typeface="+mj-lt"/>
+              <a:buAutoNum type="arabicPeriod"/>
+            </a:pPr>
+            <a:r>
+              <a:rPr lang="en-US" sz="2400" dirty="0"/>
+              <a:t>15x15 window, </a:t>
+            </a:r>
+            <a:r>
+              <a:rPr lang="en-US" sz="2400" dirty="0" err="1"/>
+              <a:t>ext</a:t>
+            </a:r>
+            <a:r>
+              <a:rPr lang="en-US" sz="2400" dirty="0"/>
+              <a:t> dimensions = 48x23</a:t>
+            </a:r>
+          </a:p>
+          <a:p>
+            <a:pPr marL="457200" indent="-457200">
+              <a:buFont typeface="+mj-lt"/>
+              <a:buAutoNum type="arabicPeriod"/>
+            </a:pPr>
+            <a:r>
+              <a:rPr lang="en-US" sz="2400" dirty="0"/>
+              <a:t>Same as 5, but offset channel just like 2</a:t>
             </a:r>
           </a:p>
         </p:txBody>
